--- a/JavaScript.pptx
+++ b/JavaScript.pptx
@@ -300,7 +300,7 @@
           <a:p>
             <a:fld id="{8FA25E4E-E309-40D3-8A6C-4B1440DCED15}" type="datetimeFigureOut">
               <a:rPr lang="en-IN" smtClean="0"/>
-              <a:t>07-03-2024</a:t>
+              <a:t>09-03-2024</a:t>
             </a:fld>
             <a:endParaRPr lang="en-IN"/>
           </a:p>
@@ -470,7 +470,7 @@
           <a:p>
             <a:fld id="{8FA25E4E-E309-40D3-8A6C-4B1440DCED15}" type="datetimeFigureOut">
               <a:rPr lang="en-IN" smtClean="0"/>
-              <a:t>07-03-2024</a:t>
+              <a:t>09-03-2024</a:t>
             </a:fld>
             <a:endParaRPr lang="en-IN"/>
           </a:p>
@@ -650,7 +650,7 @@
           <a:p>
             <a:fld id="{8FA25E4E-E309-40D3-8A6C-4B1440DCED15}" type="datetimeFigureOut">
               <a:rPr lang="en-IN" smtClean="0"/>
-              <a:t>07-03-2024</a:t>
+              <a:t>09-03-2024</a:t>
             </a:fld>
             <a:endParaRPr lang="en-IN"/>
           </a:p>
@@ -820,7 +820,7 @@
           <a:p>
             <a:fld id="{8FA25E4E-E309-40D3-8A6C-4B1440DCED15}" type="datetimeFigureOut">
               <a:rPr lang="en-IN" smtClean="0"/>
-              <a:t>07-03-2024</a:t>
+              <a:t>09-03-2024</a:t>
             </a:fld>
             <a:endParaRPr lang="en-IN"/>
           </a:p>
@@ -1066,7 +1066,7 @@
           <a:p>
             <a:fld id="{8FA25E4E-E309-40D3-8A6C-4B1440DCED15}" type="datetimeFigureOut">
               <a:rPr lang="en-IN" smtClean="0"/>
-              <a:t>07-03-2024</a:t>
+              <a:t>09-03-2024</a:t>
             </a:fld>
             <a:endParaRPr lang="en-IN"/>
           </a:p>
@@ -1354,7 +1354,7 @@
           <a:p>
             <a:fld id="{8FA25E4E-E309-40D3-8A6C-4B1440DCED15}" type="datetimeFigureOut">
               <a:rPr lang="en-IN" smtClean="0"/>
-              <a:t>07-03-2024</a:t>
+              <a:t>09-03-2024</a:t>
             </a:fld>
             <a:endParaRPr lang="en-IN"/>
           </a:p>
@@ -1776,7 +1776,7 @@
           <a:p>
             <a:fld id="{8FA25E4E-E309-40D3-8A6C-4B1440DCED15}" type="datetimeFigureOut">
               <a:rPr lang="en-IN" smtClean="0"/>
-              <a:t>07-03-2024</a:t>
+              <a:t>09-03-2024</a:t>
             </a:fld>
             <a:endParaRPr lang="en-IN"/>
           </a:p>
@@ -1894,7 +1894,7 @@
           <a:p>
             <a:fld id="{8FA25E4E-E309-40D3-8A6C-4B1440DCED15}" type="datetimeFigureOut">
               <a:rPr lang="en-IN" smtClean="0"/>
-              <a:t>07-03-2024</a:t>
+              <a:t>09-03-2024</a:t>
             </a:fld>
             <a:endParaRPr lang="en-IN"/>
           </a:p>
@@ -1989,7 +1989,7 @@
           <a:p>
             <a:fld id="{8FA25E4E-E309-40D3-8A6C-4B1440DCED15}" type="datetimeFigureOut">
               <a:rPr lang="en-IN" smtClean="0"/>
-              <a:t>07-03-2024</a:t>
+              <a:t>09-03-2024</a:t>
             </a:fld>
             <a:endParaRPr lang="en-IN"/>
           </a:p>
@@ -2266,7 +2266,7 @@
           <a:p>
             <a:fld id="{8FA25E4E-E309-40D3-8A6C-4B1440DCED15}" type="datetimeFigureOut">
               <a:rPr lang="en-IN" smtClean="0"/>
-              <a:t>07-03-2024</a:t>
+              <a:t>09-03-2024</a:t>
             </a:fld>
             <a:endParaRPr lang="en-IN"/>
           </a:p>
@@ -2519,7 +2519,7 @@
           <a:p>
             <a:fld id="{8FA25E4E-E309-40D3-8A6C-4B1440DCED15}" type="datetimeFigureOut">
               <a:rPr lang="en-IN" smtClean="0"/>
-              <a:t>07-03-2024</a:t>
+              <a:t>09-03-2024</a:t>
             </a:fld>
             <a:endParaRPr lang="en-IN"/>
           </a:p>
@@ -2732,7 +2732,7 @@
           <a:p>
             <a:fld id="{8FA25E4E-E309-40D3-8A6C-4B1440DCED15}" type="datetimeFigureOut">
               <a:rPr lang="en-IN" smtClean="0"/>
-              <a:t>07-03-2024</a:t>
+              <a:t>09-03-2024</a:t>
             </a:fld>
             <a:endParaRPr lang="en-IN"/>
           </a:p>
